--- a/SEM_1/ObjectOrientedSoftwareEngineering/2__SDLC_FALLSEM2022-23_ITA5005_TH_VL2022230106234_Reference_Material_II_23-09-2022_Reference_Material.pptx
+++ b/SEM_1/ObjectOrientedSoftwareEngineering/2__SDLC_FALLSEM2022-23_ITA5005_TH_VL2022230106234_Reference_Material_II_23-09-2022_Reference_Material.pptx
@@ -293,7 +293,7 @@
             <a:fld id="{4DDD55AF-4137-4E9B-8E65-E3749EFB0665}" type="datetimeFigureOut">
               <a:rPr lang="en-US" smtClean="0"/>
               <a:pPr/>
-              <a:t>10/5/2022</a:t>
+              <a:t>11/2/2022</a:t>
             </a:fld>
             <a:endParaRPr lang="en-US"/>
           </a:p>
@@ -1136,7 +1136,7 @@
             <a:fld id="{1D8BD707-D9CF-40AE-B4C6-C98DA3205C09}" type="datetimeFigureOut">
               <a:rPr lang="en-US" smtClean="0"/>
               <a:pPr/>
-              <a:t>10/5/2022</a:t>
+              <a:t>11/2/2022</a:t>
             </a:fld>
             <a:endParaRPr lang="en-US"/>
           </a:p>
@@ -1301,7 +1301,7 @@
             <a:fld id="{1D8BD707-D9CF-40AE-B4C6-C98DA3205C09}" type="datetimeFigureOut">
               <a:rPr lang="en-US" smtClean="0"/>
               <a:pPr/>
-              <a:t>10/5/2022</a:t>
+              <a:t>11/2/2022</a:t>
             </a:fld>
             <a:endParaRPr lang="en-US"/>
           </a:p>
@@ -1476,7 +1476,7 @@
             <a:fld id="{1D8BD707-D9CF-40AE-B4C6-C98DA3205C09}" type="datetimeFigureOut">
               <a:rPr lang="en-US" smtClean="0"/>
               <a:pPr/>
-              <a:t>10/5/2022</a:t>
+              <a:t>11/2/2022</a:t>
             </a:fld>
             <a:endParaRPr lang="en-US"/>
           </a:p>
@@ -1641,7 +1641,7 @@
             <a:fld id="{1D8BD707-D9CF-40AE-B4C6-C98DA3205C09}" type="datetimeFigureOut">
               <a:rPr lang="en-US" smtClean="0"/>
               <a:pPr/>
-              <a:t>10/5/2022</a:t>
+              <a:t>11/2/2022</a:t>
             </a:fld>
             <a:endParaRPr lang="en-US"/>
           </a:p>
@@ -1883,7 +1883,7 @@
             <a:fld id="{1D8BD707-D9CF-40AE-B4C6-C98DA3205C09}" type="datetimeFigureOut">
               <a:rPr lang="en-US" smtClean="0"/>
               <a:pPr/>
-              <a:t>10/5/2022</a:t>
+              <a:t>11/2/2022</a:t>
             </a:fld>
             <a:endParaRPr lang="en-US"/>
           </a:p>
@@ -2165,7 +2165,7 @@
             <a:fld id="{1D8BD707-D9CF-40AE-B4C6-C98DA3205C09}" type="datetimeFigureOut">
               <a:rPr lang="en-US" smtClean="0"/>
               <a:pPr/>
-              <a:t>10/5/2022</a:t>
+              <a:t>11/2/2022</a:t>
             </a:fld>
             <a:endParaRPr lang="en-US"/>
           </a:p>
@@ -2581,7 +2581,7 @@
             <a:fld id="{1D8BD707-D9CF-40AE-B4C6-C98DA3205C09}" type="datetimeFigureOut">
               <a:rPr lang="en-US" smtClean="0"/>
               <a:pPr/>
-              <a:t>10/5/2022</a:t>
+              <a:t>11/2/2022</a:t>
             </a:fld>
             <a:endParaRPr lang="en-US"/>
           </a:p>
@@ -2695,7 +2695,7 @@
             <a:fld id="{1D8BD707-D9CF-40AE-B4C6-C98DA3205C09}" type="datetimeFigureOut">
               <a:rPr lang="en-US" smtClean="0"/>
               <a:pPr/>
-              <a:t>10/5/2022</a:t>
+              <a:t>11/2/2022</a:t>
             </a:fld>
             <a:endParaRPr lang="en-US"/>
           </a:p>
@@ -2787,7 +2787,7 @@
             <a:fld id="{1D8BD707-D9CF-40AE-B4C6-C98DA3205C09}" type="datetimeFigureOut">
               <a:rPr lang="en-US" smtClean="0"/>
               <a:pPr/>
-              <a:t>10/5/2022</a:t>
+              <a:t>11/2/2022</a:t>
             </a:fld>
             <a:endParaRPr lang="en-US"/>
           </a:p>
@@ -3059,7 +3059,7 @@
             <a:fld id="{1D8BD707-D9CF-40AE-B4C6-C98DA3205C09}" type="datetimeFigureOut">
               <a:rPr lang="en-US" smtClean="0"/>
               <a:pPr/>
-              <a:t>10/5/2022</a:t>
+              <a:t>11/2/2022</a:t>
             </a:fld>
             <a:endParaRPr lang="en-US"/>
           </a:p>
@@ -3308,7 +3308,7 @@
             <a:fld id="{1D8BD707-D9CF-40AE-B4C6-C98DA3205C09}" type="datetimeFigureOut">
               <a:rPr lang="en-US" smtClean="0"/>
               <a:pPr/>
-              <a:t>10/5/2022</a:t>
+              <a:t>11/2/2022</a:t>
             </a:fld>
             <a:endParaRPr lang="en-US"/>
           </a:p>
@@ -3516,7 +3516,7 @@
             <a:fld id="{1D8BD707-D9CF-40AE-B4C6-C98DA3205C09}" type="datetimeFigureOut">
               <a:rPr lang="en-US" smtClean="0"/>
               <a:pPr/>
-              <a:t>10/5/2022</a:t>
+              <a:t>11/2/2022</a:t>
             </a:fld>
             <a:endParaRPr lang="en-US"/>
           </a:p>
